--- a/organisation générale page éleves.pptx
+++ b/organisation générale page éleves.pptx
@@ -259,7 +259,7 @@
           <a:p>
             <a:fld id="{E2BB01BA-10AB-4472-888F-DBFB89DABB2B}" type="datetimeFigureOut">
               <a:rPr lang="fr-FR" smtClean="0"/>
-              <a:t>16/11/2018</a:t>
+              <a:t>23/11/2018</a:t>
             </a:fld>
             <a:endParaRPr lang="fr-FR"/>
           </a:p>
@@ -457,7 +457,7 @@
           <a:p>
             <a:fld id="{E2BB01BA-10AB-4472-888F-DBFB89DABB2B}" type="datetimeFigureOut">
               <a:rPr lang="fr-FR" smtClean="0"/>
-              <a:t>16/11/2018</a:t>
+              <a:t>23/11/2018</a:t>
             </a:fld>
             <a:endParaRPr lang="fr-FR"/>
           </a:p>
@@ -665,7 +665,7 @@
           <a:p>
             <a:fld id="{E2BB01BA-10AB-4472-888F-DBFB89DABB2B}" type="datetimeFigureOut">
               <a:rPr lang="fr-FR" smtClean="0"/>
-              <a:t>16/11/2018</a:t>
+              <a:t>23/11/2018</a:t>
             </a:fld>
             <a:endParaRPr lang="fr-FR"/>
           </a:p>
@@ -863,7 +863,7 @@
           <a:p>
             <a:fld id="{E2BB01BA-10AB-4472-888F-DBFB89DABB2B}" type="datetimeFigureOut">
               <a:rPr lang="fr-FR" smtClean="0"/>
-              <a:t>16/11/2018</a:t>
+              <a:t>23/11/2018</a:t>
             </a:fld>
             <a:endParaRPr lang="fr-FR"/>
           </a:p>
@@ -1138,7 +1138,7 @@
           <a:p>
             <a:fld id="{E2BB01BA-10AB-4472-888F-DBFB89DABB2B}" type="datetimeFigureOut">
               <a:rPr lang="fr-FR" smtClean="0"/>
-              <a:t>16/11/2018</a:t>
+              <a:t>23/11/2018</a:t>
             </a:fld>
             <a:endParaRPr lang="fr-FR"/>
           </a:p>
@@ -1403,7 +1403,7 @@
           <a:p>
             <a:fld id="{E2BB01BA-10AB-4472-888F-DBFB89DABB2B}" type="datetimeFigureOut">
               <a:rPr lang="fr-FR" smtClean="0"/>
-              <a:t>16/11/2018</a:t>
+              <a:t>23/11/2018</a:t>
             </a:fld>
             <a:endParaRPr lang="fr-FR"/>
           </a:p>
@@ -1815,7 +1815,7 @@
           <a:p>
             <a:fld id="{E2BB01BA-10AB-4472-888F-DBFB89DABB2B}" type="datetimeFigureOut">
               <a:rPr lang="fr-FR" smtClean="0"/>
-              <a:t>16/11/2018</a:t>
+              <a:t>23/11/2018</a:t>
             </a:fld>
             <a:endParaRPr lang="fr-FR"/>
           </a:p>
@@ -1956,7 +1956,7 @@
           <a:p>
             <a:fld id="{E2BB01BA-10AB-4472-888F-DBFB89DABB2B}" type="datetimeFigureOut">
               <a:rPr lang="fr-FR" smtClean="0"/>
-              <a:t>16/11/2018</a:t>
+              <a:t>23/11/2018</a:t>
             </a:fld>
             <a:endParaRPr lang="fr-FR"/>
           </a:p>
@@ -2069,7 +2069,7 @@
           <a:p>
             <a:fld id="{E2BB01BA-10AB-4472-888F-DBFB89DABB2B}" type="datetimeFigureOut">
               <a:rPr lang="fr-FR" smtClean="0"/>
-              <a:t>16/11/2018</a:t>
+              <a:t>23/11/2018</a:t>
             </a:fld>
             <a:endParaRPr lang="fr-FR"/>
           </a:p>
@@ -2380,7 +2380,7 @@
           <a:p>
             <a:fld id="{E2BB01BA-10AB-4472-888F-DBFB89DABB2B}" type="datetimeFigureOut">
               <a:rPr lang="fr-FR" smtClean="0"/>
-              <a:t>16/11/2018</a:t>
+              <a:t>23/11/2018</a:t>
             </a:fld>
             <a:endParaRPr lang="fr-FR"/>
           </a:p>
@@ -2668,7 +2668,7 @@
           <a:p>
             <a:fld id="{E2BB01BA-10AB-4472-888F-DBFB89DABB2B}" type="datetimeFigureOut">
               <a:rPr lang="fr-FR" smtClean="0"/>
-              <a:t>16/11/2018</a:t>
+              <a:t>23/11/2018</a:t>
             </a:fld>
             <a:endParaRPr lang="fr-FR"/>
           </a:p>
@@ -2909,7 +2909,7 @@
           <a:p>
             <a:fld id="{E2BB01BA-10AB-4472-888F-DBFB89DABB2B}" type="datetimeFigureOut">
               <a:rPr lang="fr-FR" smtClean="0"/>
-              <a:t>16/11/2018</a:t>
+              <a:t>23/11/2018</a:t>
             </a:fld>
             <a:endParaRPr lang="fr-FR"/>
           </a:p>
@@ -3804,30 +3804,27 @@
           <a:lstStyle/>
           <a:p>
             <a:r>
-              <a:rPr lang="fr-FR" dirty="0">
-                <a:solidFill>
-                  <a:schemeClr val="bg1"/>
-                </a:solidFill>
-              </a:rPr>
-              <a:t>NOTE détails-</a:t>
-            </a:r>
-          </a:p>
-          <a:p>
-            <a:r>
-              <a:rPr lang="fr-FR" dirty="0">
-                <a:solidFill>
-                  <a:schemeClr val="bg1"/>
-                </a:solidFill>
-              </a:rPr>
-              <a:t>+ </a:t>
-            </a:r>
-            <a:r>
               <a:rPr lang="fr-FR" dirty="0" err="1">
                 <a:solidFill>
                   <a:schemeClr val="bg1"/>
                 </a:solidFill>
               </a:rPr>
-              <a:t>ranking</a:t>
+              <a:t>Ranking</a:t>
+            </a:r>
+            <a:endParaRPr lang="fr-FR" dirty="0">
+              <a:solidFill>
+                <a:schemeClr val="bg1"/>
+              </a:solidFill>
+            </a:endParaRPr>
+          </a:p>
+          <a:p>
+            <a:r>
+              <a:rPr lang="fr-FR" dirty="0" err="1">
+                <a:solidFill>
+                  <a:schemeClr val="bg1"/>
+                </a:solidFill>
+              </a:rPr>
+              <a:t>XPs</a:t>
             </a:r>
             <a:endParaRPr lang="fr-FR" dirty="0">
               <a:solidFill>
